--- a/Macao.pptx
+++ b/Macao.pptx
@@ -3088,6 +3088,14 @@
 <file path=ppt/slides/slide1.xml><?xml version="1.0" encoding="utf-8"?>
 <p:sld xmlns:a="http://schemas.openxmlformats.org/drawingml/2006/main" xmlns:r="http://schemas.openxmlformats.org/officeDocument/2006/relationships" xmlns:p="http://schemas.openxmlformats.org/presentationml/2006/main">
   <p:cSld>
+    <p:bg>
+      <p:bgPr>
+        <a:solidFill>
+          <a:schemeClr val="bg1"/>
+        </a:solidFill>
+        <a:effectLst/>
+      </p:bgPr>
+    </p:bg>
     <p:spTree>
       <p:nvGrpSpPr>
         <p:cNvPr id="1" name=""/>
@@ -3104,28 +3112,129 @@
       </p:grpSpPr>
       <p:sp>
         <p:nvSpPr>
-          <p:cNvPr id="2" name="Title 1"/>
-          <p:cNvSpPr>
-            <a:spLocks noGrp="1"/>
-          </p:cNvSpPr>
-          <p:nvPr>
-            <p:ph type="ctrTitle"/>
+          <p:cNvPr id="10" name="Rectangle 9">
+            <a:extLst>
+              <a:ext uri="{FF2B5EF4-FFF2-40B4-BE49-F238E27FC236}">
+                <a16:creationId xmlns:a16="http://schemas.microsoft.com/office/drawing/2014/main" id="{657F69E0-C4B0-4BEC-A689-4F8D877F05D4}"/>
+              </a:ext>
+              <a:ext uri="{C183D7F6-B498-43B3-948B-1728B52AA6E4}">
+                <adec:decorative xmlns:adec="http://schemas.microsoft.com/office/drawing/2017/decorative" val="1"/>
+              </a:ext>
+            </a:extLst>
+          </p:cNvPr>
+          <p:cNvSpPr>
+            <a:spLocks noGrp="1" noRot="1" noChangeAspect="1" noMove="1" noResize="1" noEditPoints="1" noAdjustHandles="1" noChangeArrowheads="1" noChangeShapeType="1" noTextEdit="1"/>
+          </p:cNvSpPr>
+          <p:nvPr>
+            <p:extLst>
+              <p:ext uri="{386F3935-93C4-4BCD-93E2-E3B085C9AB24}">
+                <p16:designElem xmlns:p16="http://schemas.microsoft.com/office/powerpoint/2015/main" val="1"/>
+              </p:ext>
+            </p:extLst>
           </p:nvPr>
         </p:nvSpPr>
         <p:spPr>
           <a:xfrm>
-            <a:off x="685800" y="1597819"/>
-            <a:ext cx="7772400" cy="1102519"/>
+            <a:off x="0" y="0"/>
+            <a:ext cx="9141714" cy="5143500"/>
+          </a:xfrm>
+          <a:prstGeom prst="rect">
+            <a:avLst/>
+          </a:prstGeom>
+          <a:solidFill>
+            <a:schemeClr val="tx1"/>
+          </a:solidFill>
+          <a:ln>
+            <a:noFill/>
+          </a:ln>
+        </p:spPr>
+        <p:style>
+          <a:lnRef idx="2">
+            <a:schemeClr val="accent1">
+              <a:shade val="50000"/>
+            </a:schemeClr>
+          </a:lnRef>
+          <a:fillRef idx="1">
+            <a:schemeClr val="accent1"/>
+          </a:fillRef>
+          <a:effectRef idx="0">
+            <a:schemeClr val="accent1"/>
+          </a:effectRef>
+          <a:fontRef idx="minor">
+            <a:schemeClr val="lt1"/>
+          </a:fontRef>
+        </p:style>
+        <p:txBody>
+          <a:bodyPr rtlCol="0" anchor="ctr"/>
+          <a:lstStyle/>
+          <a:p>
+            <a:pPr algn="ctr"/>
+            <a:endParaRPr lang="en-US"/>
+          </a:p>
+        </p:txBody>
+      </p:sp>
+      <p:pic>
+        <p:nvPicPr>
+          <p:cNvPr id="5" name="图片 4" descr="河边城市的夜景&#10;&#10;描述已自动生成">
+            <a:extLst>
+              <a:ext uri="{FF2B5EF4-FFF2-40B4-BE49-F238E27FC236}">
+                <a16:creationId xmlns:a16="http://schemas.microsoft.com/office/drawing/2014/main" id="{91365F89-1EA4-FC6F-D646-F171DBBD987E}"/>
+              </a:ext>
+            </a:extLst>
+          </p:cNvPr>
+          <p:cNvPicPr>
+            <a:picLocks noChangeAspect="1"/>
+          </p:cNvPicPr>
+          <p:nvPr/>
+        </p:nvPicPr>
+        <p:blipFill>
+          <a:blip r:embed="rId2">
+            <a:alphaModFix amt="50000"/>
+          </a:blip>
+          <a:srcRect t="15709" r="-1" b="-1"/>
+          <a:stretch/>
+        </p:blipFill>
+        <p:spPr>
+          <a:xfrm>
+            <a:off x="20" y="10"/>
+            <a:ext cx="9141692" cy="5143490"/>
+          </a:xfrm>
+          <a:prstGeom prst="rect">
+            <a:avLst/>
+          </a:prstGeom>
+        </p:spPr>
+      </p:pic>
+      <p:sp>
+        <p:nvSpPr>
+          <p:cNvPr id="2" name="Title 1"/>
+          <p:cNvSpPr>
+            <a:spLocks noGrp="1"/>
+          </p:cNvSpPr>
+          <p:nvPr>
+            <p:ph type="ctrTitle"/>
+          </p:nvPr>
+        </p:nvSpPr>
+        <p:spPr>
+          <a:xfrm>
+            <a:off x="1143000" y="841772"/>
+            <a:ext cx="6858000" cy="2297430"/>
           </a:xfrm>
         </p:spPr>
         <p:txBody>
-          <a:bodyPr/>
+          <a:bodyPr>
+            <a:normAutofit/>
+          </a:bodyPr>
           <a:lstStyle/>
           <a:p>
             <a:pPr marL="0" lvl="0" indent="0">
               <a:buNone/>
             </a:pPr>
             <a:r>
+              <a:rPr lang="en-US" sz="5000">
+                <a:solidFill>
+                  <a:schemeClr val="bg1"/>
+                </a:solidFill>
+              </a:rPr>
               <a:t>Macao</a:t>
             </a:r>
           </a:p>
@@ -3143,22 +3252,331 @@
         </p:nvSpPr>
         <p:spPr>
           <a:xfrm>
-            <a:off x="1371600" y="2914650"/>
-            <a:ext cx="6400800" cy="1314450"/>
+            <a:off x="1145286" y="3449574"/>
+            <a:ext cx="6858000" cy="1152144"/>
           </a:xfrm>
         </p:spPr>
         <p:txBody>
-          <a:bodyPr/>
+          <a:bodyPr>
+            <a:normAutofit/>
+          </a:bodyPr>
           <a:lstStyle/>
           <a:p>
             <a:pPr marL="0" lvl="0" indent="0">
+              <a:lnSpc>
+                <a:spcPct val="90000"/>
+              </a:lnSpc>
               <a:buNone/>
             </a:pPr>
-            <a:br/>
-            <a:br/>
-            <a:r>
+            <a:br>
+              <a:rPr lang="en-US">
+                <a:solidFill>
+                  <a:schemeClr val="bg1"/>
+                </a:solidFill>
+              </a:rPr>
+            </a:br>
+            <a:br>
+              <a:rPr lang="en-US">
+                <a:solidFill>
+                  <a:schemeClr val="bg1"/>
+                </a:solidFill>
+              </a:rPr>
+            </a:br>
+            <a:r>
+              <a:rPr lang="en-US">
+                <a:solidFill>
+                  <a:schemeClr val="bg1"/>
+                </a:solidFill>
+              </a:rPr>
               <a:t>Keyu Feng</a:t>
             </a:r>
+          </a:p>
+        </p:txBody>
+      </p:sp>
+      <p:sp>
+        <p:nvSpPr>
+          <p:cNvPr id="12" name="sketchy line">
+            <a:extLst>
+              <a:ext uri="{FF2B5EF4-FFF2-40B4-BE49-F238E27FC236}">
+                <a16:creationId xmlns:a16="http://schemas.microsoft.com/office/drawing/2014/main" id="{9F6380B4-6A1C-481E-8408-B4E6C75B9B81}"/>
+              </a:ext>
+              <a:ext uri="{C183D7F6-B498-43B3-948B-1728B52AA6E4}">
+                <adec:decorative xmlns:adec="http://schemas.microsoft.com/office/drawing/2017/decorative" val="1"/>
+              </a:ext>
+            </a:extLst>
+          </p:cNvPr>
+          <p:cNvSpPr>
+            <a:spLocks noGrp="1" noRot="1" noChangeAspect="1" noMove="1" noResize="1" noEditPoints="1" noAdjustHandles="1" noChangeArrowheads="1" noChangeShapeType="1" noTextEdit="1"/>
+          </p:cNvSpPr>
+          <p:nvPr>
+            <p:extLst>
+              <p:ext uri="{386F3935-93C4-4BCD-93E2-E3B085C9AB24}">
+                <p16:designElem xmlns:p16="http://schemas.microsoft.com/office/powerpoint/2015/main" val="1"/>
+              </p:ext>
+            </p:extLst>
+          </p:nvPr>
+        </p:nvSpPr>
+        <p:spPr>
+          <a:xfrm>
+            <a:off x="2980654" y="3276467"/>
+            <a:ext cx="3182692" cy="13716"/>
+          </a:xfrm>
+          <a:custGeom>
+            <a:avLst/>
+            <a:gdLst>
+              <a:gd name="connsiteX0" fmla="*/ 0 w 3182692"/>
+              <a:gd name="connsiteY0" fmla="*/ 0 h 13716"/>
+              <a:gd name="connsiteX1" fmla="*/ 636538 w 3182692"/>
+              <a:gd name="connsiteY1" fmla="*/ 0 h 13716"/>
+              <a:gd name="connsiteX2" fmla="*/ 1273077 w 3182692"/>
+              <a:gd name="connsiteY2" fmla="*/ 0 h 13716"/>
+              <a:gd name="connsiteX3" fmla="*/ 1909615 w 3182692"/>
+              <a:gd name="connsiteY3" fmla="*/ 0 h 13716"/>
+              <a:gd name="connsiteX4" fmla="*/ 2482500 w 3182692"/>
+              <a:gd name="connsiteY4" fmla="*/ 0 h 13716"/>
+              <a:gd name="connsiteX5" fmla="*/ 3182692 w 3182692"/>
+              <a:gd name="connsiteY5" fmla="*/ 0 h 13716"/>
+              <a:gd name="connsiteX6" fmla="*/ 3182692 w 3182692"/>
+              <a:gd name="connsiteY6" fmla="*/ 13716 h 13716"/>
+              <a:gd name="connsiteX7" fmla="*/ 2609807 w 3182692"/>
+              <a:gd name="connsiteY7" fmla="*/ 13716 h 13716"/>
+              <a:gd name="connsiteX8" fmla="*/ 2068750 w 3182692"/>
+              <a:gd name="connsiteY8" fmla="*/ 13716 h 13716"/>
+              <a:gd name="connsiteX9" fmla="*/ 1432211 w 3182692"/>
+              <a:gd name="connsiteY9" fmla="*/ 13716 h 13716"/>
+              <a:gd name="connsiteX10" fmla="*/ 859327 w 3182692"/>
+              <a:gd name="connsiteY10" fmla="*/ 13716 h 13716"/>
+              <a:gd name="connsiteX11" fmla="*/ 0 w 3182692"/>
+              <a:gd name="connsiteY11" fmla="*/ 13716 h 13716"/>
+              <a:gd name="connsiteX12" fmla="*/ 0 w 3182692"/>
+              <a:gd name="connsiteY12" fmla="*/ 0 h 13716"/>
+            </a:gdLst>
+            <a:ahLst/>
+            <a:cxnLst>
+              <a:cxn ang="0">
+                <a:pos x="connsiteX0" y="connsiteY0"/>
+              </a:cxn>
+              <a:cxn ang="0">
+                <a:pos x="connsiteX1" y="connsiteY1"/>
+              </a:cxn>
+              <a:cxn ang="0">
+                <a:pos x="connsiteX2" y="connsiteY2"/>
+              </a:cxn>
+              <a:cxn ang="0">
+                <a:pos x="connsiteX3" y="connsiteY3"/>
+              </a:cxn>
+              <a:cxn ang="0">
+                <a:pos x="connsiteX4" y="connsiteY4"/>
+              </a:cxn>
+              <a:cxn ang="0">
+                <a:pos x="connsiteX5" y="connsiteY5"/>
+              </a:cxn>
+              <a:cxn ang="0">
+                <a:pos x="connsiteX6" y="connsiteY6"/>
+              </a:cxn>
+              <a:cxn ang="0">
+                <a:pos x="connsiteX7" y="connsiteY7"/>
+              </a:cxn>
+              <a:cxn ang="0">
+                <a:pos x="connsiteX8" y="connsiteY8"/>
+              </a:cxn>
+              <a:cxn ang="0">
+                <a:pos x="connsiteX9" y="connsiteY9"/>
+              </a:cxn>
+              <a:cxn ang="0">
+                <a:pos x="connsiteX10" y="connsiteY10"/>
+              </a:cxn>
+              <a:cxn ang="0">
+                <a:pos x="connsiteX11" y="connsiteY11"/>
+              </a:cxn>
+              <a:cxn ang="0">
+                <a:pos x="connsiteX12" y="connsiteY12"/>
+              </a:cxn>
+            </a:cxnLst>
+            <a:rect l="l" t="t" r="r" b="b"/>
+            <a:pathLst>
+              <a:path w="3182692" h="13716" fill="none" extrusionOk="0">
+                <a:moveTo>
+                  <a:pt x="0" y="0"/>
+                </a:moveTo>
+                <a:cubicBezTo>
+                  <a:pt x="253588" y="25878"/>
+                  <a:pt x="409323" y="-5359"/>
+                  <a:pt x="636538" y="0"/>
+                </a:cubicBezTo>
+                <a:cubicBezTo>
+                  <a:pt x="863753" y="5359"/>
+                  <a:pt x="1007727" y="-28"/>
+                  <a:pt x="1273077" y="0"/>
+                </a:cubicBezTo>
+                <a:cubicBezTo>
+                  <a:pt x="1538427" y="28"/>
+                  <a:pt x="1698640" y="-12775"/>
+                  <a:pt x="1909615" y="0"/>
+                </a:cubicBezTo>
+                <a:cubicBezTo>
+                  <a:pt x="2120590" y="12775"/>
+                  <a:pt x="2210293" y="-21823"/>
+                  <a:pt x="2482500" y="0"/>
+                </a:cubicBezTo>
+                <a:cubicBezTo>
+                  <a:pt x="2754708" y="21823"/>
+                  <a:pt x="3004133" y="-28750"/>
+                  <a:pt x="3182692" y="0"/>
+                </a:cubicBezTo>
+                <a:cubicBezTo>
+                  <a:pt x="3182906" y="4075"/>
+                  <a:pt x="3183008" y="9784"/>
+                  <a:pt x="3182692" y="13716"/>
+                </a:cubicBezTo>
+                <a:cubicBezTo>
+                  <a:pt x="2947402" y="17868"/>
+                  <a:pt x="2876226" y="22619"/>
+                  <a:pt x="2609807" y="13716"/>
+                </a:cubicBezTo>
+                <a:cubicBezTo>
+                  <a:pt x="2343389" y="4813"/>
+                  <a:pt x="2326689" y="21007"/>
+                  <a:pt x="2068750" y="13716"/>
+                </a:cubicBezTo>
+                <a:cubicBezTo>
+                  <a:pt x="1810811" y="6425"/>
+                  <a:pt x="1713836" y="43647"/>
+                  <a:pt x="1432211" y="13716"/>
+                </a:cubicBezTo>
+                <a:cubicBezTo>
+                  <a:pt x="1150586" y="-16215"/>
+                  <a:pt x="982765" y="-825"/>
+                  <a:pt x="859327" y="13716"/>
+                </a:cubicBezTo>
+                <a:cubicBezTo>
+                  <a:pt x="735889" y="28257"/>
+                  <a:pt x="254183" y="30659"/>
+                  <a:pt x="0" y="13716"/>
+                </a:cubicBezTo>
+                <a:cubicBezTo>
+                  <a:pt x="-535" y="8247"/>
+                  <a:pt x="-201" y="2959"/>
+                  <a:pt x="0" y="0"/>
+                </a:cubicBezTo>
+                <a:close/>
+              </a:path>
+              <a:path w="3182692" h="13716" stroke="0" extrusionOk="0">
+                <a:moveTo>
+                  <a:pt x="0" y="0"/>
+                </a:moveTo>
+                <a:cubicBezTo>
+                  <a:pt x="243108" y="-22426"/>
+                  <a:pt x="387854" y="22949"/>
+                  <a:pt x="572885" y="0"/>
+                </a:cubicBezTo>
+                <a:cubicBezTo>
+                  <a:pt x="757916" y="-22949"/>
+                  <a:pt x="923707" y="6797"/>
+                  <a:pt x="1113942" y="0"/>
+                </a:cubicBezTo>
+                <a:cubicBezTo>
+                  <a:pt x="1304177" y="-6797"/>
+                  <a:pt x="1495991" y="20627"/>
+                  <a:pt x="1686827" y="0"/>
+                </a:cubicBezTo>
+                <a:cubicBezTo>
+                  <a:pt x="1877663" y="-20627"/>
+                  <a:pt x="2170182" y="-20672"/>
+                  <a:pt x="2323365" y="0"/>
+                </a:cubicBezTo>
+                <a:cubicBezTo>
+                  <a:pt x="2476548" y="20672"/>
+                  <a:pt x="2919164" y="6097"/>
+                  <a:pt x="3182692" y="0"/>
+                </a:cubicBezTo>
+                <a:cubicBezTo>
+                  <a:pt x="3182126" y="5320"/>
+                  <a:pt x="3182368" y="9001"/>
+                  <a:pt x="3182692" y="13716"/>
+                </a:cubicBezTo>
+                <a:cubicBezTo>
+                  <a:pt x="3026065" y="-15421"/>
+                  <a:pt x="2775006" y="18495"/>
+                  <a:pt x="2546154" y="13716"/>
+                </a:cubicBezTo>
+                <a:cubicBezTo>
+                  <a:pt x="2317302" y="8937"/>
+                  <a:pt x="2168173" y="-13085"/>
+                  <a:pt x="1845961" y="13716"/>
+                </a:cubicBezTo>
+                <a:cubicBezTo>
+                  <a:pt x="1523749" y="40517"/>
+                  <a:pt x="1450078" y="-5416"/>
+                  <a:pt x="1304904" y="13716"/>
+                </a:cubicBezTo>
+                <a:cubicBezTo>
+                  <a:pt x="1159730" y="32848"/>
+                  <a:pt x="942635" y="-14593"/>
+                  <a:pt x="604711" y="13716"/>
+                </a:cubicBezTo>
+                <a:cubicBezTo>
+                  <a:pt x="266787" y="42025"/>
+                  <a:pt x="141927" y="-12967"/>
+                  <a:pt x="0" y="13716"/>
+                </a:cubicBezTo>
+                <a:cubicBezTo>
+                  <a:pt x="58" y="7834"/>
+                  <a:pt x="453" y="5833"/>
+                  <a:pt x="0" y="0"/>
+                </a:cubicBezTo>
+                <a:close/>
+              </a:path>
+            </a:pathLst>
+          </a:custGeom>
+          <a:solidFill>
+            <a:srgbClr val="FFFFFF">
+              <a:alpha val="75000"/>
+            </a:srgbClr>
+          </a:solidFill>
+          <a:ln w="44450" cap="rnd">
+            <a:solidFill>
+              <a:schemeClr val="bg1">
+                <a:alpha val="75000"/>
+              </a:schemeClr>
+            </a:solidFill>
+            <a:round/>
+            <a:extLst>
+              <a:ext uri="{C807C97D-BFC1-408E-A445-0C87EB9F89A2}">
+                <ask:lineSketchStyleProps xmlns:ask="http://schemas.microsoft.com/office/drawing/2018/sketchyshapes" sd="2727557108">
+                  <a:prstGeom prst="rect">
+                    <a:avLst/>
+                  </a:prstGeom>
+                  <ask:type>
+                    <ask:lineSketchFreehand/>
+                  </ask:type>
+                </ask:lineSketchStyleProps>
+              </a:ext>
+            </a:extLst>
+          </a:ln>
+        </p:spPr>
+        <p:style>
+          <a:lnRef idx="2">
+            <a:schemeClr val="accent1">
+              <a:shade val="50000"/>
+            </a:schemeClr>
+          </a:lnRef>
+          <a:fillRef idx="1">
+            <a:schemeClr val="accent1"/>
+          </a:fillRef>
+          <a:effectRef idx="0">
+            <a:schemeClr val="accent1"/>
+          </a:effectRef>
+          <a:fontRef idx="minor">
+            <a:schemeClr val="lt1"/>
+          </a:fontRef>
+        </p:style>
+        <p:txBody>
+          <a:bodyPr rtlCol="0" anchor="ctr"/>
+          <a:lstStyle/>
+          <a:p>
+            <a:pPr algn="ctr"/>
+            <a:endParaRPr lang="en-US"/>
           </a:p>
         </p:txBody>
       </p:sp>
